--- a/5 семестр/Моделирование бизнес-процессов/Практическая работа №17/Презентация.pptx
+++ b/5 семестр/Моделирование бизнес-процессов/Практическая работа №17/Презентация.pptx
@@ -53,7 +53,7 @@
         <p:spPr>
           <a:xfrm>
             <a:off x="504000" y="561600"/>
-            <a:ext cx="9071280" cy="274680"/>
+            <a:ext cx="9070920" cy="274680"/>
           </a:xfrm>
           <a:prstGeom prst="rect">
             <a:avLst/>
@@ -69,7 +69,13 @@
           </a:bodyPr>
           <a:p>
             <a:pPr indent="0">
+              <a:lnSpc>
+                <a:spcPct val="100000"/>
+              </a:lnSpc>
               <a:buNone/>
+              <a:tabLst>
+                <a:tab algn="l" pos="0"/>
+              </a:tabLst>
             </a:pPr>
             <a:r>
               <a:rPr b="0" lang="ru-RU" sz="1800" strike="noStrike" u="none">
@@ -106,7 +112,7 @@
         <p:spPr>
           <a:xfrm>
             <a:off x="3447360" y="5165280"/>
-            <a:ext cx="3194640" cy="390240"/>
+            <a:ext cx="3194280" cy="389880"/>
           </a:xfrm>
           <a:prstGeom prst="rect">
             <a:avLst/>
@@ -184,7 +190,7 @@
         <p:spPr>
           <a:xfrm>
             <a:off x="7227360" y="5165280"/>
-            <a:ext cx="2347920" cy="390240"/>
+            <a:ext cx="2347560" cy="389880"/>
           </a:xfrm>
           <a:prstGeom prst="rect">
             <a:avLst/>
@@ -227,7 +233,7 @@
                 <a:tab algn="l" pos="0"/>
               </a:tabLst>
             </a:pPr>
-            <a:fld id="{222C7880-39C1-4748-AE84-EFD8B9394E99}" type="slidenum">
+            <a:fld id="{1F78C659-90E0-448C-92D2-7E32817C572A}" type="slidenum">
               <a:rPr b="0" lang="ru-RU" sz="1400" strike="noStrike" u="none">
                 <a:solidFill>
                   <a:srgbClr val="000000"/>
@@ -262,7 +268,7 @@
         <p:spPr>
           <a:xfrm>
             <a:off x="504000" y="5165280"/>
-            <a:ext cx="2347920" cy="390240"/>
+            <a:ext cx="2347560" cy="389880"/>
           </a:xfrm>
           <a:prstGeom prst="rect">
             <a:avLst/>
@@ -278,7 +284,13 @@
           </a:bodyPr>
           <a:lstStyle>
             <a:lvl1pPr indent="0">
+              <a:lnSpc>
+                <a:spcPct val="100000"/>
+              </a:lnSpc>
               <a:buNone/>
+              <a:tabLst>
+                <a:tab algn="l" pos="0"/>
+              </a:tabLst>
               <a:defRPr b="0" lang="ru-RU" sz="1400" strike="noStrike" u="none">
                 <a:solidFill>
                   <a:srgbClr val="000000"/>
@@ -291,7 +303,13 @@
           </a:lstStyle>
           <a:p>
             <a:pPr indent="0">
+              <a:lnSpc>
+                <a:spcPct val="100000"/>
+              </a:lnSpc>
               <a:buNone/>
+              <a:tabLst>
+                <a:tab algn="l" pos="0"/>
+              </a:tabLst>
             </a:pPr>
             <a:r>
               <a:rPr b="0" lang="ru-RU" sz="1400" strike="noStrike" u="none">
@@ -328,7 +346,7 @@
         <p:spPr>
           <a:xfrm>
             <a:off x="504000" y="1326600"/>
-            <a:ext cx="9072000" cy="3288600"/>
+            <a:ext cx="9071640" cy="3288240"/>
           </a:xfrm>
           <a:prstGeom prst="rect">
             <a:avLst/>
@@ -344,6 +362,9 @@
           </a:bodyPr>
           <a:p>
             <a:pPr marL="432000" indent="-324000">
+              <a:lnSpc>
+                <a:spcPct val="100000"/>
+              </a:lnSpc>
               <a:spcBef>
                 <a:spcPts val="1417"/>
               </a:spcBef>
@@ -376,6 +397,9 @@
           </a:p>
           <a:p>
             <a:pPr lvl="1" marL="864000" indent="-324000">
+              <a:lnSpc>
+                <a:spcPct val="100000"/>
+              </a:lnSpc>
               <a:spcBef>
                 <a:spcPts val="1134"/>
               </a:spcBef>
@@ -408,6 +432,9 @@
           </a:p>
           <a:p>
             <a:pPr lvl="2" marL="1296000" indent="-288000">
+              <a:lnSpc>
+                <a:spcPct val="100000"/>
+              </a:lnSpc>
               <a:spcBef>
                 <a:spcPts val="850"/>
               </a:spcBef>
@@ -440,6 +467,9 @@
           </a:p>
           <a:p>
             <a:pPr lvl="3" marL="1728000" indent="-216000">
+              <a:lnSpc>
+                <a:spcPct val="100000"/>
+              </a:lnSpc>
               <a:spcBef>
                 <a:spcPts val="567"/>
               </a:spcBef>
@@ -472,6 +502,9 @@
           </a:p>
           <a:p>
             <a:pPr lvl="4" marL="2160000" indent="-216000">
+              <a:lnSpc>
+                <a:spcPct val="100000"/>
+              </a:lnSpc>
               <a:spcBef>
                 <a:spcPts val="283"/>
               </a:spcBef>
@@ -504,6 +537,9 @@
           </a:p>
           <a:p>
             <a:pPr lvl="5" marL="2592000" indent="-216000">
+              <a:lnSpc>
+                <a:spcPct val="100000"/>
+              </a:lnSpc>
               <a:spcBef>
                 <a:spcPts val="283"/>
               </a:spcBef>
@@ -536,6 +572,9 @@
           </a:p>
           <a:p>
             <a:pPr lvl="6" marL="3024000" indent="-216000">
+              <a:lnSpc>
+                <a:spcPct val="100000"/>
+              </a:lnSpc>
               <a:spcBef>
                 <a:spcPts val="283"/>
               </a:spcBef>
@@ -603,7 +642,7 @@
         <p:spPr>
           <a:xfrm>
             <a:off x="3447360" y="5165280"/>
-            <a:ext cx="3194640" cy="390240"/>
+            <a:ext cx="3194280" cy="389880"/>
           </a:xfrm>
           <a:prstGeom prst="rect">
             <a:avLst/>
@@ -681,7 +720,7 @@
         <p:spPr>
           <a:xfrm>
             <a:off x="7227360" y="5165280"/>
-            <a:ext cx="2347920" cy="390240"/>
+            <a:ext cx="2347560" cy="389880"/>
           </a:xfrm>
           <a:prstGeom prst="rect">
             <a:avLst/>
@@ -724,7 +763,7 @@
                 <a:tab algn="l" pos="0"/>
               </a:tabLst>
             </a:pPr>
-            <a:fld id="{6348F691-E24D-4A72-88F3-4A25D65F6827}" type="slidenum">
+            <a:fld id="{634D4B45-0E35-4D8C-978B-FC73D9F79531}" type="slidenum">
               <a:rPr b="0" lang="ru-RU" sz="1400" strike="noStrike" u="none">
                 <a:solidFill>
                   <a:srgbClr val="000000"/>
@@ -759,7 +798,7 @@
         <p:spPr>
           <a:xfrm>
             <a:off x="504000" y="5165280"/>
-            <a:ext cx="2347920" cy="390240"/>
+            <a:ext cx="2347560" cy="389880"/>
           </a:xfrm>
           <a:prstGeom prst="rect">
             <a:avLst/>
@@ -775,7 +814,13 @@
           </a:bodyPr>
           <a:lstStyle>
             <a:lvl1pPr indent="0">
+              <a:lnSpc>
+                <a:spcPct val="100000"/>
+              </a:lnSpc>
               <a:buNone/>
+              <a:tabLst>
+                <a:tab algn="l" pos="0"/>
+              </a:tabLst>
               <a:defRPr b="0" lang="ru-RU" sz="1400" strike="noStrike" u="none">
                 <a:solidFill>
                   <a:srgbClr val="000000"/>
@@ -788,7 +833,13 @@
           </a:lstStyle>
           <a:p>
             <a:pPr indent="0">
+              <a:lnSpc>
+                <a:spcPct val="100000"/>
+              </a:lnSpc>
               <a:buNone/>
+              <a:tabLst>
+                <a:tab algn="l" pos="0"/>
+              </a:tabLst>
             </a:pPr>
             <a:r>
               <a:rPr b="0" lang="ru-RU" sz="1400" strike="noStrike" u="none">
@@ -825,7 +876,7 @@
         <p:spPr>
           <a:xfrm>
             <a:off x="504000" y="226080"/>
-            <a:ext cx="9072000" cy="946440"/>
+            <a:ext cx="9071640" cy="946080"/>
           </a:xfrm>
           <a:prstGeom prst="rect">
             <a:avLst/>
@@ -841,7 +892,13 @@
           </a:bodyPr>
           <a:p>
             <a:pPr indent="0" algn="ctr">
+              <a:lnSpc>
+                <a:spcPct val="100000"/>
+              </a:lnSpc>
               <a:buNone/>
+              <a:tabLst>
+                <a:tab algn="l" pos="0"/>
+              </a:tabLst>
             </a:pPr>
             <a:r>
               <a:rPr b="0" lang="ru-RU" sz="4400" strike="noStrike" u="none">
@@ -878,7 +935,7 @@
         <p:spPr>
           <a:xfrm>
             <a:off x="504000" y="1326600"/>
-            <a:ext cx="9072000" cy="3288600"/>
+            <a:ext cx="9071640" cy="3288240"/>
           </a:xfrm>
           <a:prstGeom prst="rect">
             <a:avLst/>
@@ -894,6 +951,9 @@
           </a:bodyPr>
           <a:p>
             <a:pPr marL="432000" indent="-324000">
+              <a:lnSpc>
+                <a:spcPct val="100000"/>
+              </a:lnSpc>
               <a:spcBef>
                 <a:spcPts val="1417"/>
               </a:spcBef>
@@ -926,6 +986,9 @@
           </a:p>
           <a:p>
             <a:pPr lvl="1" marL="864000" indent="-324000">
+              <a:lnSpc>
+                <a:spcPct val="100000"/>
+              </a:lnSpc>
               <a:spcBef>
                 <a:spcPts val="1134"/>
               </a:spcBef>
@@ -958,6 +1021,9 @@
           </a:p>
           <a:p>
             <a:pPr lvl="2" marL="1296000" indent="-288000">
+              <a:lnSpc>
+                <a:spcPct val="100000"/>
+              </a:lnSpc>
               <a:spcBef>
                 <a:spcPts val="850"/>
               </a:spcBef>
@@ -990,6 +1056,9 @@
           </a:p>
           <a:p>
             <a:pPr lvl="3" marL="1728000" indent="-216000">
+              <a:lnSpc>
+                <a:spcPct val="100000"/>
+              </a:lnSpc>
               <a:spcBef>
                 <a:spcPts val="567"/>
               </a:spcBef>
@@ -1022,6 +1091,9 @@
           </a:p>
           <a:p>
             <a:pPr lvl="4" marL="2160000" indent="-216000">
+              <a:lnSpc>
+                <a:spcPct val="100000"/>
+              </a:lnSpc>
               <a:spcBef>
                 <a:spcPts val="283"/>
               </a:spcBef>
@@ -1054,6 +1126,9 @@
           </a:p>
           <a:p>
             <a:pPr lvl="5" marL="2592000" indent="-216000">
+              <a:lnSpc>
+                <a:spcPct val="100000"/>
+              </a:lnSpc>
               <a:spcBef>
                 <a:spcPts val="283"/>
               </a:spcBef>
@@ -1086,6 +1161,9 @@
           </a:p>
           <a:p>
             <a:pPr lvl="6" marL="3024000" indent="-216000">
+              <a:lnSpc>
+                <a:spcPct val="100000"/>
+              </a:lnSpc>
               <a:spcBef>
                 <a:spcPts val="283"/>
               </a:spcBef>
@@ -1176,7 +1254,7 @@
         <p:spPr>
           <a:xfrm>
             <a:off x="1839960" y="332640"/>
-            <a:ext cx="6400080" cy="5305320"/>
+            <a:ext cx="6399720" cy="5304960"/>
           </a:xfrm>
           <a:prstGeom prst="rect">
             <a:avLst/>
@@ -1258,6 +1336,7 @@
                 <a:effectLst/>
                 <a:uFillTx/>
                 <a:latin typeface="Times New Roman"/>
+                <a:ea typeface="DejaVu Sans"/>
               </a:rPr>
               <a:t>МИНОБРНАУКИ РОССИИ</a:t>
             </a:r>
@@ -1290,6 +1369,7 @@
                 <a:effectLst/>
                 <a:uFillTx/>
                 <a:latin typeface="Times New Roman"/>
+                <a:ea typeface="DejaVu Sans"/>
               </a:rPr>
               <a:t>Федеральное государственное бюджетное образовательное учреждение</a:t>
             </a:r>
@@ -1304,6 +1384,7 @@
                 <a:effectLst/>
                 <a:uFillTx/>
                 <a:latin typeface="Times New Roman"/>
+                <a:ea typeface="DejaVu Sans"/>
               </a:rPr>
               <a:t>высшего образования</a:t>
             </a:r>
@@ -1318,6 +1399,7 @@
                 <a:effectLst/>
                 <a:uFillTx/>
                 <a:latin typeface="Times New Roman"/>
+                <a:ea typeface="DejaVu Sans"/>
               </a:rPr>
               <a:t>«МИРЭА </a:t>
             </a:r>
@@ -1329,6 +1411,7 @@
                 <a:effectLst/>
                 <a:uFillTx/>
                 <a:latin typeface="Symbol"/>
+                <a:ea typeface="DejaVu Sans"/>
               </a:rPr>
               <a:t></a:t>
             </a:r>
@@ -1340,6 +1423,7 @@
                 <a:effectLst/>
                 <a:uFillTx/>
                 <a:latin typeface="Times New Roman"/>
+                <a:ea typeface="DejaVu Sans"/>
               </a:rPr>
               <a:t> Российский технологический университет»</a:t>
             </a:r>
@@ -1372,6 +1456,7 @@
                 <a:effectLst/>
                 <a:uFillTx/>
                 <a:latin typeface="Times New Roman"/>
+                <a:ea typeface="DejaVu Sans"/>
               </a:rPr>
               <a:t> РТУ МИРЭА</a:t>
             </a:r>
@@ -1404,6 +1489,7 @@
                 <a:effectLst/>
                 <a:uFillTx/>
                 <a:latin typeface="Calibri"/>
+                <a:ea typeface="DejaVu Sans"/>
               </a:rPr>
               <a:t>Институт информационных технологий (ИИТ)</a:t>
             </a:r>
@@ -1436,6 +1522,7 @@
                 <a:effectLst/>
                 <a:uFillTx/>
                 <a:latin typeface="Calibri"/>
+                <a:ea typeface="DejaVu Sans"/>
               </a:rPr>
               <a:t>Кафедра практической и прикладной информатики (ППИ)</a:t>
             </a:r>
@@ -1468,6 +1555,7 @@
                 <a:effectLst/>
                 <a:uFillTx/>
                 <a:latin typeface="Calibri"/>
+                <a:ea typeface="DejaVu Sans"/>
               </a:rPr>
               <a:t>ОТЧЕТ ПО ПРАКТИЧЕСКОЙ РАБОТЕ</a:t>
             </a:r>
@@ -1500,6 +1588,7 @@
                 <a:effectLst/>
                 <a:uFillTx/>
                 <a:latin typeface="Calibri"/>
+                <a:ea typeface="DejaVu Sans"/>
               </a:rPr>
               <a:t>по дисциплине «Моделирование бизнес-процессов»</a:t>
             </a:r>
@@ -1532,6 +1621,7 @@
                 <a:effectLst/>
                 <a:uFillTx/>
                 <a:latin typeface="Calibri"/>
+                <a:ea typeface="DejaVu Sans"/>
               </a:rPr>
               <a:t>Практическое занятие № 17</a:t>
             </a:r>
@@ -1580,7 +1670,7 @@
         <p:spPr>
           <a:xfrm>
             <a:off x="4410000" y="180000"/>
-            <a:ext cx="1259640" cy="1259640"/>
+            <a:ext cx="1259280" cy="1259280"/>
           </a:xfrm>
           <a:prstGeom prst="rect">
             <a:avLst/>
@@ -2517,7 +2607,7 @@
         </p:blipFill>
         <p:spPr>
           <a:xfrm>
-            <a:off x="2417040" y="1721520"/>
+            <a:off x="2456640" y="1690920"/>
             <a:ext cx="5288040" cy="2247480"/>
           </a:xfrm>
           <a:prstGeom prst="rect">
@@ -2571,8 +2661,8 @@
         </p:blipFill>
         <p:spPr>
           <a:xfrm>
-            <a:off x="2413440" y="1721520"/>
-            <a:ext cx="5295600" cy="2247480"/>
+            <a:off x="2453040" y="1687320"/>
+            <a:ext cx="5295600" cy="2255040"/>
           </a:xfrm>
           <a:prstGeom prst="rect">
             <a:avLst/>
@@ -2625,8 +2715,8 @@
         </p:blipFill>
         <p:spPr>
           <a:xfrm>
-            <a:off x="2413440" y="1352160"/>
-            <a:ext cx="5295600" cy="2986560"/>
+            <a:off x="2453040" y="1317600"/>
+            <a:ext cx="5295600" cy="2994480"/>
           </a:xfrm>
           <a:prstGeom prst="rect">
             <a:avLst/>
@@ -2679,8 +2769,8 @@
         </p:blipFill>
         <p:spPr>
           <a:xfrm>
-            <a:off x="20880" y="2122920"/>
-            <a:ext cx="10080360" cy="1444680"/>
+            <a:off x="119160" y="2133360"/>
+            <a:ext cx="9842400" cy="1404000"/>
           </a:xfrm>
           <a:prstGeom prst="rect">
             <a:avLst/>
@@ -2733,8 +2823,8 @@
         </p:blipFill>
         <p:spPr>
           <a:xfrm>
-            <a:off x="1491480" y="837720"/>
-            <a:ext cx="7139520" cy="4015440"/>
+            <a:off x="2129040" y="1138680"/>
+            <a:ext cx="5943240" cy="3352320"/>
           </a:xfrm>
           <a:prstGeom prst="rect">
             <a:avLst/>
@@ -2787,8 +2877,8 @@
         </p:blipFill>
         <p:spPr>
           <a:xfrm>
-            <a:off x="3217320" y="262440"/>
-            <a:ext cx="3687840" cy="5166000"/>
+            <a:off x="3260520" y="231840"/>
+            <a:ext cx="3680280" cy="5166000"/>
           </a:xfrm>
           <a:prstGeom prst="rect">
             <a:avLst/>
@@ -2841,7 +2931,7 @@
         </p:blipFill>
         <p:spPr>
           <a:xfrm>
-            <a:off x="2413440" y="243360"/>
+            <a:off x="2453040" y="212760"/>
             <a:ext cx="5295600" cy="5204160"/>
           </a:xfrm>
           <a:prstGeom prst="rect">
@@ -2895,7 +2985,7 @@
         </p:blipFill>
         <p:spPr>
           <a:xfrm>
-            <a:off x="2413440" y="1352160"/>
+            <a:off x="2453040" y="1321560"/>
             <a:ext cx="5295600" cy="2986560"/>
           </a:xfrm>
           <a:prstGeom prst="rect">
@@ -2949,7 +3039,7 @@
         </p:blipFill>
         <p:spPr>
           <a:xfrm>
-            <a:off x="2417040" y="1721520"/>
+            <a:off x="2456640" y="1690920"/>
             <a:ext cx="5288040" cy="2247480"/>
           </a:xfrm>
           <a:prstGeom prst="rect">
@@ -3003,7 +3093,7 @@
         </p:blipFill>
         <p:spPr>
           <a:xfrm>
-            <a:off x="2417040" y="1721520"/>
+            <a:off x="2456640" y="1690920"/>
             <a:ext cx="5288040" cy="2247480"/>
           </a:xfrm>
           <a:prstGeom prst="rect">
@@ -3057,7 +3147,7 @@
         </p:blipFill>
         <p:spPr>
           <a:xfrm>
-            <a:off x="2413440" y="2091240"/>
+            <a:off x="2453040" y="2060640"/>
             <a:ext cx="5295600" cy="1508400"/>
           </a:xfrm>
           <a:prstGeom prst="rect">
